--- a/Tableau/Szenario_1_Auswertung.pptx
+++ b/Tableau/Szenario_1_Auswertung.pptx
@@ -13,6 +13,9 @@
     <p:sldId id="261" r:id="rId11"/>
     <p:sldId id="262" r:id="rId12"/>
     <p:sldId id="263" r:id="rId13"/>
+    <p:sldId id="264" r:id="rId14"/>
+    <p:sldId id="265" r:id="rId15"/>
+    <p:sldId id="266" r:id="rId16"/>
   </p:sldIdLst>
   <p:sldSz cx="12192000" cy="6858000"/>
   <p:notesSz cx="6858000" cy="9144000"/>
@@ -3333,7 +3336,7 @@
           <p:cNvPr id="0" name="slide1">
             <a:extLst>
               <a:ext uri="{FF2B5EF4-FFF2-40B4-BE49-F238E27FC236}">
-                <a16:creationId xmlns:a16="http://schemas.microsoft.com/office/drawing/2014/main" id="{D9297AB8-95C7-477C-99F0-556FD735206D}"/>
+                <a16:creationId xmlns:a16="http://schemas.microsoft.com/office/drawing/2014/main" id="{439A70A3-B7D0-4BCB-B47B-4C93FB4B233A}"/>
               </a:ext>
             </a:extLst>
           </p:cNvPr>
@@ -3361,7 +3364,7 @@
           <p:cNvPr id="1" name="slide1">
             <a:extLst>
               <a:ext uri="{FF2B5EF4-FFF2-40B4-BE49-F238E27FC236}">
-                <a16:creationId xmlns:a16="http://schemas.microsoft.com/office/drawing/2014/main" id="{AE48BDA5-08CC-4DC3-ABCE-18CB9AF2CEB2}"/>
+                <a16:creationId xmlns:a16="http://schemas.microsoft.com/office/drawing/2014/main" id="{275E06B5-D840-4DBA-B022-69428B0C809C}"/>
               </a:ext>
             </a:extLst>
           </p:cNvPr>
@@ -3379,11 +3382,143 @@
           <a:p>
             <a:r>
               <a:rPr/>
-              <a:t>Datei erstellt am: 11.02.2022 16:10:36</a:t>
-            </a:r>
-          </a:p>
-        </p:txBody>
-      </p:sp>
+              <a:t>Datei erstellt am: 05.06.2022 14:42:16</a:t>
+            </a:r>
+          </a:p>
+        </p:txBody>
+      </p:sp>
+    </p:spTree>
+    <p:extLst>
+      <p:ext uri="{BB962C8B-B14F-4D97-AF65-F5344CB8AC3E}">
+        <p14:creationId xmlns:p14="http://schemas.microsoft.com/office/powerpoint/2010/main" val="95992585"/>
+      </p:ext>
+    </p:extLst>
+  </p:cSld>
+  <p:clrMapOvr>
+    <a:masterClrMapping/>
+  </p:clrMapOvr>
+</p:sld>
+</file>
+
+<file path=ppt/slides/slide10.xml><?xml version="1.0" encoding="utf-8"?>
+<p:sld xmlns:a="http://schemas.openxmlformats.org/drawingml/2006/main" xmlns:p="http://schemas.openxmlformats.org/presentationml/2006/main" xmlns:r="http://schemas.openxmlformats.org/officeDocument/2006/relationships">
+  <p:cSld>
+    <p:spTree>
+      <p:nvGrpSpPr>
+        <p:cNvPr id="1" name=""/>
+        <p:cNvGrpSpPr/>
+        <p:nvPr/>
+      </p:nvGrpSpPr>
+      <p:grpSpPr>
+        <a:xfrm>
+          <a:off x="0" y="0"/>
+          <a:ext cx="0" cy="0"/>
+          <a:chOff x="0" y="0"/>
+          <a:chExt cx="0" cy="0"/>
+        </a:xfrm>
+      </p:grpSpPr>
+      <p:pic>
+        <p:nvPicPr>
+          <p:cNvPr descr="Hautfarbe17" id="10" name="slide10">
+            <a:extLst>
+              <a:ext uri="{FF2B5EF4-FFF2-40B4-BE49-F238E27FC236}">
+                <a16:creationId xmlns:a16="http://schemas.microsoft.com/office/drawing/2014/main" id="{547F80A6-82E2-4444-8EFF-3E293F27A6DF}"/>
+              </a:ext>
+            </a:extLst>
+          </p:cNvPr>
+          <p:cNvPicPr>
+            <a:picLocks noChangeAspect="1"/>
+          </p:cNvPicPr>
+          <p:nvPr/>
+        </p:nvPicPr>
+        <p:blipFill>
+          <a:blip r:embed="rId15">
+            <a:extLst>
+              <a:ext uri="{28A0092B-C50C-407E-A947-70E740481C1C}">
+                <a14:useLocalDpi xmlns:a14="http://schemas.microsoft.com/office/drawing/2010/main" val="0"/>
+              </a:ext>
+            </a:extLst>
+          </a:blip>
+          <a:stretch>
+            <a:fillRect/>
+          </a:stretch>
+        </p:blipFill>
+        <p:spPr>
+          <a:xfrm>
+            <a:off x="0" y="0"/>
+            <a:ext cx="12192000" cy="6858000"/>
+          </a:xfrm>
+          <a:prstGeom prst="rect">
+            <a:avLst/>
+          </a:prstGeom>
+        </p:spPr>
+      </p:pic>
+    </p:spTree>
+    <p:extLst>
+      <p:ext uri="{BB962C8B-B14F-4D97-AF65-F5344CB8AC3E}">
+        <p14:creationId xmlns:p14="http://schemas.microsoft.com/office/powerpoint/2010/main" val="95992585"/>
+      </p:ext>
+    </p:extLst>
+  </p:cSld>
+  <p:clrMapOvr>
+    <a:masterClrMapping/>
+  </p:clrMapOvr>
+</p:sld>
+</file>
+
+<file path=ppt/slides/slide11.xml><?xml version="1.0" encoding="utf-8"?>
+<p:sld xmlns:a="http://schemas.openxmlformats.org/drawingml/2006/main" xmlns:p="http://schemas.openxmlformats.org/presentationml/2006/main" xmlns:r="http://schemas.openxmlformats.org/officeDocument/2006/relationships">
+  <p:cSld>
+    <p:spTree>
+      <p:nvGrpSpPr>
+        <p:cNvPr id="1" name=""/>
+        <p:cNvGrpSpPr/>
+        <p:nvPr/>
+      </p:nvGrpSpPr>
+      <p:grpSpPr>
+        <a:xfrm>
+          <a:off x="0" y="0"/>
+          <a:ext cx="0" cy="0"/>
+          <a:chOff x="0" y="0"/>
+          <a:chExt cx="0" cy="0"/>
+        </a:xfrm>
+      </p:grpSpPr>
+      <p:pic>
+        <p:nvPicPr>
+          <p:cNvPr descr="Hautfarbe18" id="11" name="slide11">
+            <a:extLst>
+              <a:ext uri="{FF2B5EF4-FFF2-40B4-BE49-F238E27FC236}">
+                <a16:creationId xmlns:a16="http://schemas.microsoft.com/office/drawing/2014/main" id="{341A70CC-8723-475B-8EA2-12E0E208811D}"/>
+              </a:ext>
+            </a:extLst>
+          </p:cNvPr>
+          <p:cNvPicPr>
+            <a:picLocks noChangeAspect="1"/>
+          </p:cNvPicPr>
+          <p:nvPr/>
+        </p:nvPicPr>
+        <p:blipFill>
+          <a:blip r:embed="rId16">
+            <a:extLst>
+              <a:ext uri="{28A0092B-C50C-407E-A947-70E740481C1C}">
+                <a14:useLocalDpi xmlns:a14="http://schemas.microsoft.com/office/drawing/2010/main" val="0"/>
+              </a:ext>
+            </a:extLst>
+          </a:blip>
+          <a:stretch>
+            <a:fillRect/>
+          </a:stretch>
+        </p:blipFill>
+        <p:spPr>
+          <a:xfrm>
+            <a:off x="0" y="0"/>
+            <a:ext cx="12192000" cy="6858000"/>
+          </a:xfrm>
+          <a:prstGeom prst="rect">
+            <a:avLst/>
+          </a:prstGeom>
+        </p:spPr>
+      </p:pic>
     </p:spTree>
     <p:extLst>
       <p:ext uri="{BB962C8B-B14F-4D97-AF65-F5344CB8AC3E}">
@@ -3416,10 +3551,10 @@
       </p:grpSpPr>
       <p:pic>
         <p:nvPicPr>
-          <p:cNvPr descr="Story 11" id="2" name="slide2">
-            <a:extLst>
-              <a:ext uri="{FF2B5EF4-FFF2-40B4-BE49-F238E27FC236}">
-                <a16:creationId xmlns:a16="http://schemas.microsoft.com/office/drawing/2014/main" id="{5566C0C9-FC2E-498E-91A6-C31C94719250}"/>
+          <p:cNvPr descr="Hautfarbe9" id="2" name="slide2">
+            <a:extLst>
+              <a:ext uri="{FF2B5EF4-FFF2-40B4-BE49-F238E27FC236}">
+                <a16:creationId xmlns:a16="http://schemas.microsoft.com/office/drawing/2014/main" id="{CC3656F0-1235-42BC-A9B2-2E5134287554}"/>
               </a:ext>
             </a:extLst>
           </p:cNvPr>
@@ -3482,10 +3617,10 @@
       </p:grpSpPr>
       <p:pic>
         <p:nvPicPr>
-          <p:cNvPr descr="Story 12" id="3" name="slide3">
-            <a:extLst>
-              <a:ext uri="{FF2B5EF4-FFF2-40B4-BE49-F238E27FC236}">
-                <a16:creationId xmlns:a16="http://schemas.microsoft.com/office/drawing/2014/main" id="{81ED13CD-6E09-4A82-BC20-35FA43513545}"/>
+          <p:cNvPr descr="Hautfarbe10" id="3" name="slide3">
+            <a:extLst>
+              <a:ext uri="{FF2B5EF4-FFF2-40B4-BE49-F238E27FC236}">
+                <a16:creationId xmlns:a16="http://schemas.microsoft.com/office/drawing/2014/main" id="{DBBACC53-2132-4F29-B91D-BEBA0B1034DE}"/>
               </a:ext>
             </a:extLst>
           </p:cNvPr>
@@ -3548,10 +3683,10 @@
       </p:grpSpPr>
       <p:pic>
         <p:nvPicPr>
-          <p:cNvPr descr="Story 13" id="4" name="slide4">
-            <a:extLst>
-              <a:ext uri="{FF2B5EF4-FFF2-40B4-BE49-F238E27FC236}">
-                <a16:creationId xmlns:a16="http://schemas.microsoft.com/office/drawing/2014/main" id="{EC6BD5D5-0498-4886-8C4E-99DEE98A7A52}"/>
+          <p:cNvPr descr="Hautfarbe11" id="4" name="slide4">
+            <a:extLst>
+              <a:ext uri="{FF2B5EF4-FFF2-40B4-BE49-F238E27FC236}">
+                <a16:creationId xmlns:a16="http://schemas.microsoft.com/office/drawing/2014/main" id="{BE2F6C2C-66C8-4AE5-BC67-D681A7F9BEC5}"/>
               </a:ext>
             </a:extLst>
           </p:cNvPr>
@@ -3614,10 +3749,10 @@
       </p:grpSpPr>
       <p:pic>
         <p:nvPicPr>
-          <p:cNvPr descr="Story 14" id="5" name="slide5">
-            <a:extLst>
-              <a:ext uri="{FF2B5EF4-FFF2-40B4-BE49-F238E27FC236}">
-                <a16:creationId xmlns:a16="http://schemas.microsoft.com/office/drawing/2014/main" id="{F4F6A760-5D90-479B-8976-E65CE54CFECF}"/>
+          <p:cNvPr descr="Hautfarbe12" id="5" name="slide5">
+            <a:extLst>
+              <a:ext uri="{FF2B5EF4-FFF2-40B4-BE49-F238E27FC236}">
+                <a16:creationId xmlns:a16="http://schemas.microsoft.com/office/drawing/2014/main" id="{95D7A8FE-8600-4E6C-BC11-D437D63B8016}"/>
               </a:ext>
             </a:extLst>
           </p:cNvPr>
@@ -3680,10 +3815,10 @@
       </p:grpSpPr>
       <p:pic>
         <p:nvPicPr>
-          <p:cNvPr descr="Story 15" id="6" name="slide6">
-            <a:extLst>
-              <a:ext uri="{FF2B5EF4-FFF2-40B4-BE49-F238E27FC236}">
-                <a16:creationId xmlns:a16="http://schemas.microsoft.com/office/drawing/2014/main" id="{F236A419-21B3-4157-B1FB-CF5378C08788}"/>
+          <p:cNvPr descr="Hautfarbe13" id="6" name="slide6">
+            <a:extLst>
+              <a:ext uri="{FF2B5EF4-FFF2-40B4-BE49-F238E27FC236}">
+                <a16:creationId xmlns:a16="http://schemas.microsoft.com/office/drawing/2014/main" id="{FC8D4A7C-0F1F-4E27-87EE-4D4AE77751F1}"/>
               </a:ext>
             </a:extLst>
           </p:cNvPr>
@@ -3746,10 +3881,10 @@
       </p:grpSpPr>
       <p:pic>
         <p:nvPicPr>
-          <p:cNvPr descr="Story 16" id="7" name="slide7">
-            <a:extLst>
-              <a:ext uri="{FF2B5EF4-FFF2-40B4-BE49-F238E27FC236}">
-                <a16:creationId xmlns:a16="http://schemas.microsoft.com/office/drawing/2014/main" id="{879B6FEF-22AA-49F4-B5B2-9DF8A56A554F}"/>
+          <p:cNvPr descr="Hautfarbe14" id="7" name="slide7">
+            <a:extLst>
+              <a:ext uri="{FF2B5EF4-FFF2-40B4-BE49-F238E27FC236}">
+                <a16:creationId xmlns:a16="http://schemas.microsoft.com/office/drawing/2014/main" id="{EEC9E91A-34CF-4328-8A4B-39736F30AA78}"/>
               </a:ext>
             </a:extLst>
           </p:cNvPr>
@@ -3812,10 +3947,10 @@
       </p:grpSpPr>
       <p:pic>
         <p:nvPicPr>
-          <p:cNvPr descr="Story 17" id="8" name="slide8">
-            <a:extLst>
-              <a:ext uri="{FF2B5EF4-FFF2-40B4-BE49-F238E27FC236}">
-                <a16:creationId xmlns:a16="http://schemas.microsoft.com/office/drawing/2014/main" id="{F724BE0B-7840-4BF9-B6B3-444528E4296B}"/>
+          <p:cNvPr descr="Hautfarbe15" id="8" name="slide8">
+            <a:extLst>
+              <a:ext uri="{FF2B5EF4-FFF2-40B4-BE49-F238E27FC236}">
+                <a16:creationId xmlns:a16="http://schemas.microsoft.com/office/drawing/2014/main" id="{B3129292-6B1D-4E1C-9BB4-E683718C4430}"/>
               </a:ext>
             </a:extLst>
           </p:cNvPr>
@@ -3826,6 +3961,72 @@
         </p:nvPicPr>
         <p:blipFill>
           <a:blip r:embed="rId13">
+            <a:extLst>
+              <a:ext uri="{28A0092B-C50C-407E-A947-70E740481C1C}">
+                <a14:useLocalDpi xmlns:a14="http://schemas.microsoft.com/office/drawing/2010/main" val="0"/>
+              </a:ext>
+            </a:extLst>
+          </a:blip>
+          <a:stretch>
+            <a:fillRect/>
+          </a:stretch>
+        </p:blipFill>
+        <p:spPr>
+          <a:xfrm>
+            <a:off x="0" y="0"/>
+            <a:ext cx="12192000" cy="6858000"/>
+          </a:xfrm>
+          <a:prstGeom prst="rect">
+            <a:avLst/>
+          </a:prstGeom>
+        </p:spPr>
+      </p:pic>
+    </p:spTree>
+    <p:extLst>
+      <p:ext uri="{BB962C8B-B14F-4D97-AF65-F5344CB8AC3E}">
+        <p14:creationId xmlns:p14="http://schemas.microsoft.com/office/powerpoint/2010/main" val="95992585"/>
+      </p:ext>
+    </p:extLst>
+  </p:cSld>
+  <p:clrMapOvr>
+    <a:masterClrMapping/>
+  </p:clrMapOvr>
+</p:sld>
+</file>
+
+<file path=ppt/slides/slide9.xml><?xml version="1.0" encoding="utf-8"?>
+<p:sld xmlns:a="http://schemas.openxmlformats.org/drawingml/2006/main" xmlns:p="http://schemas.openxmlformats.org/presentationml/2006/main" xmlns:r="http://schemas.openxmlformats.org/officeDocument/2006/relationships">
+  <p:cSld>
+    <p:spTree>
+      <p:nvGrpSpPr>
+        <p:cNvPr id="1" name=""/>
+        <p:cNvGrpSpPr/>
+        <p:nvPr/>
+      </p:nvGrpSpPr>
+      <p:grpSpPr>
+        <a:xfrm>
+          <a:off x="0" y="0"/>
+          <a:ext cx="0" cy="0"/>
+          <a:chOff x="0" y="0"/>
+          <a:chExt cx="0" cy="0"/>
+        </a:xfrm>
+      </p:grpSpPr>
+      <p:pic>
+        <p:nvPicPr>
+          <p:cNvPr descr="Hautfarbe16" id="9" name="slide9">
+            <a:extLst>
+              <a:ext uri="{FF2B5EF4-FFF2-40B4-BE49-F238E27FC236}">
+                <a16:creationId xmlns:a16="http://schemas.microsoft.com/office/drawing/2014/main" id="{A093E8AA-9160-4DBA-A3EF-233D48D8A76D}"/>
+              </a:ext>
+            </a:extLst>
+          </p:cNvPr>
+          <p:cNvPicPr>
+            <a:picLocks noChangeAspect="1"/>
+          </p:cNvPicPr>
+          <p:nvPr/>
+        </p:nvPicPr>
+        <p:blipFill>
+          <a:blip r:embed="rId14">
             <a:extLst>
               <a:ext uri="{28A0092B-C50C-407E-A947-70E740481C1C}">
                 <a14:useLocalDpi xmlns:a14="http://schemas.microsoft.com/office/drawing/2010/main" val="0"/>
